--- a/project/slides.pptx
+++ b/project/slides.pptx
@@ -14924,7 +14924,7 @@
             </a:pPr>
             <a:r>
               <a:rPr lang="en"/>
-              <a:t>This project explores Cologne's cycling trends using data from 17 counting points, spanning 2009 to 2021. The online platform makes it easy to explore individual points, providing a detailed look at bicycle traffic dynamics in the city.</a:t>
+              <a:t>This project explores Cologne's cycling trends using data from 17 counting points, spanning 2020 to 2022. The online platform makes it easy to explore individual points, providing a detailed look at bicycle traffic dynamics in the city.</a:t>
             </a:r>
             <a:endParaRPr/>
           </a:p>
@@ -18121,6 +18121,285 @@
 </file>
 
 <file path=ppt/theme/theme1.xml><?xml version="1.0" encoding="utf-8"?>
+<a:theme xmlns:a="http://schemas.openxmlformats.org/drawingml/2006/main" xmlns:r="http://schemas.openxmlformats.org/officeDocument/2006/relationships">
+  <a:themeElements>
+    <a:clrScheme name="Default">
+      <a:dk1>
+        <a:srgbClr val="000000"/>
+      </a:dk1>
+      <a:lt1>
+        <a:srgbClr val="FFFFFF"/>
+      </a:lt1>
+      <a:dk2>
+        <a:srgbClr val="158158"/>
+      </a:dk2>
+      <a:lt2>
+        <a:srgbClr val="F3F3F3"/>
+      </a:lt2>
+      <a:accent1>
+        <a:srgbClr val="058DC7"/>
+      </a:accent1>
+      <a:accent2>
+        <a:srgbClr val="50B432"/>
+      </a:accent2>
+      <a:accent3>
+        <a:srgbClr val="ED561B"/>
+      </a:accent3>
+      <a:accent4>
+        <a:srgbClr val="EDEF00"/>
+      </a:accent4>
+      <a:accent5>
+        <a:srgbClr val="24CBE5"/>
+      </a:accent5>
+      <a:accent6>
+        <a:srgbClr val="64E572"/>
+      </a:accent6>
+      <a:hlink>
+        <a:srgbClr val="2200CC"/>
+      </a:hlink>
+      <a:folHlink>
+        <a:srgbClr val="551A8B"/>
+      </a:folHlink>
+    </a:clrScheme>
+    <a:fontScheme name="Office">
+      <a:majorFont>
+        <a:latin typeface="Arial"/>
+        <a:ea typeface=""/>
+        <a:cs typeface=""/>
+        <a:font script="Jpan" typeface="ＭＳ Ｐゴシック"/>
+        <a:font script="Hang" typeface="맑은 고딕"/>
+        <a:font script="Hans" typeface="宋体"/>
+        <a:font script="Hant" typeface="新細明體"/>
+        <a:font script="Arab" typeface="Times New Roman"/>
+        <a:font script="Hebr" typeface="Times New Roman"/>
+        <a:font script="Thai" typeface="Angsana New"/>
+        <a:font script="Ethi" typeface="Nyala"/>
+        <a:font script="Beng" typeface="Vrinda"/>
+        <a:font script="Gujr" typeface="Shruti"/>
+        <a:font script="Khmr" typeface="MoolBoran"/>
+        <a:font script="Knda" typeface="Tunga"/>
+        <a:font script="Guru" typeface="Raavi"/>
+        <a:font script="Cans" typeface="Euphemia"/>
+        <a:font script="Cher" typeface="Plantagenet Cherokee"/>
+        <a:font script="Yiii" typeface="Microsoft Yi Baiti"/>
+        <a:font script="Tibt" typeface="Microsoft Himalaya"/>
+        <a:font script="Thaa" typeface="MV Boli"/>
+        <a:font script="Deva" typeface="Mangal"/>
+        <a:font script="Telu" typeface="Gautami"/>
+        <a:font script="Taml" typeface="Latha"/>
+        <a:font script="Syrc" typeface="Estrangelo Edessa"/>
+        <a:font script="Orya" typeface="Kalinga"/>
+        <a:font script="Mlym" typeface="Kartika"/>
+        <a:font script="Laoo" typeface="DokChampa"/>
+        <a:font script="Sinh" typeface="Iskoola Pota"/>
+        <a:font script="Mong" typeface="Mongolian Baiti"/>
+        <a:font script="Viet" typeface="Times New Roman"/>
+        <a:font script="Uigh" typeface="Microsoft Uighur"/>
+        <a:font script="Geor" typeface="Sylfaen"/>
+      </a:majorFont>
+      <a:minorFont>
+        <a:latin typeface="Arial"/>
+        <a:ea typeface=""/>
+        <a:cs typeface=""/>
+        <a:font script="Jpan" typeface="ＭＳ Ｐゴシック"/>
+        <a:font script="Hang" typeface="맑은 고딕"/>
+        <a:font script="Hans" typeface="宋体"/>
+        <a:font script="Hant" typeface="新細明體"/>
+        <a:font script="Arab" typeface="Arial"/>
+        <a:font script="Hebr" typeface="Arial"/>
+        <a:font script="Thai" typeface="Cordia New"/>
+        <a:font script="Ethi" typeface="Nyala"/>
+        <a:font script="Beng" typeface="Vrinda"/>
+        <a:font script="Gujr" typeface="Shruti"/>
+        <a:font script="Khmr" typeface="DaunPenh"/>
+        <a:font script="Knda" typeface="Tunga"/>
+        <a:font script="Guru" typeface="Raavi"/>
+        <a:font script="Cans" typeface="Euphemia"/>
+        <a:font script="Cher" typeface="Plantagenet Cherokee"/>
+        <a:font script="Yiii" typeface="Microsoft Yi Baiti"/>
+        <a:font script="Tibt" typeface="Microsoft Himalaya"/>
+        <a:font script="Thaa" typeface="MV Boli"/>
+        <a:font script="Deva" typeface="Mangal"/>
+        <a:font script="Telu" typeface="Gautami"/>
+        <a:font script="Taml" typeface="Latha"/>
+        <a:font script="Syrc" typeface="Estrangelo Edessa"/>
+        <a:font script="Orya" typeface="Kalinga"/>
+        <a:font script="Mlym" typeface="Kartika"/>
+        <a:font script="Laoo" typeface="DokChampa"/>
+        <a:font script="Sinh" typeface="Iskoola Pota"/>
+        <a:font script="Mong" typeface="Mongolian Baiti"/>
+        <a:font script="Viet" typeface="Arial"/>
+        <a:font script="Uigh" typeface="Microsoft Uighur"/>
+        <a:font script="Geor" typeface="Sylfaen"/>
+      </a:minorFont>
+    </a:fontScheme>
+    <a:fmtScheme name="Office">
+      <a:fillStyleLst>
+        <a:solidFill>
+          <a:schemeClr val="phClr"/>
+        </a:solidFill>
+        <a:gradFill rotWithShape="1">
+          <a:gsLst>
+            <a:gs pos="0">
+              <a:schemeClr val="phClr">
+                <a:tint val="50000"/>
+                <a:satMod val="300000"/>
+              </a:schemeClr>
+            </a:gs>
+            <a:gs pos="35000">
+              <a:schemeClr val="phClr">
+                <a:tint val="37000"/>
+                <a:satMod val="300000"/>
+              </a:schemeClr>
+            </a:gs>
+            <a:gs pos="100000">
+              <a:schemeClr val="phClr">
+                <a:tint val="15000"/>
+                <a:satMod val="350000"/>
+              </a:schemeClr>
+            </a:gs>
+          </a:gsLst>
+          <a:lin ang="16200000" scaled="1"/>
+        </a:gradFill>
+        <a:gradFill rotWithShape="1">
+          <a:gsLst>
+            <a:gs pos="0">
+              <a:schemeClr val="phClr">
+                <a:tint val="100000"/>
+                <a:shade val="100000"/>
+                <a:satMod val="130000"/>
+              </a:schemeClr>
+            </a:gs>
+            <a:gs pos="100000">
+              <a:schemeClr val="phClr">
+                <a:tint val="50000"/>
+                <a:shade val="100000"/>
+                <a:satMod val="350000"/>
+              </a:schemeClr>
+            </a:gs>
+          </a:gsLst>
+          <a:lin ang="16200000" scaled="0"/>
+        </a:gradFill>
+      </a:fillStyleLst>
+      <a:lnStyleLst>
+        <a:ln w="9525" cap="flat" cmpd="sng" algn="ctr">
+          <a:solidFill>
+            <a:schemeClr val="phClr">
+              <a:shade val="95000"/>
+              <a:satMod val="105000"/>
+            </a:schemeClr>
+          </a:solidFill>
+          <a:prstDash val="solid"/>
+        </a:ln>
+        <a:ln w="25400" cap="flat" cmpd="sng" algn="ctr">
+          <a:solidFill>
+            <a:schemeClr val="phClr"/>
+          </a:solidFill>
+          <a:prstDash val="solid"/>
+        </a:ln>
+        <a:ln w="38100" cap="flat" cmpd="sng" algn="ctr">
+          <a:solidFill>
+            <a:schemeClr val="phClr"/>
+          </a:solidFill>
+          <a:prstDash val="solid"/>
+        </a:ln>
+      </a:lnStyleLst>
+      <a:effectStyleLst>
+        <a:effectStyle>
+          <a:effectLst>
+            <a:outerShdw blurRad="40000" dist="20000" dir="5400000" rotWithShape="0">
+              <a:srgbClr val="000000">
+                <a:alpha val="38000"/>
+              </a:srgbClr>
+            </a:outerShdw>
+          </a:effectLst>
+        </a:effectStyle>
+        <a:effectStyle>
+          <a:effectLst>
+            <a:outerShdw blurRad="40000" dist="23000" dir="5400000" rotWithShape="0">
+              <a:srgbClr val="000000">
+                <a:alpha val="35000"/>
+              </a:srgbClr>
+            </a:outerShdw>
+          </a:effectLst>
+        </a:effectStyle>
+        <a:effectStyle>
+          <a:effectLst>
+            <a:outerShdw blurRad="40000" dist="23000" dir="5400000" rotWithShape="0">
+              <a:srgbClr val="000000">
+                <a:alpha val="35000"/>
+              </a:srgbClr>
+            </a:outerShdw>
+          </a:effectLst>
+          <a:scene3d>
+            <a:camera prst="orthographicFront">
+              <a:rot lat="0" lon="0" rev="0"/>
+            </a:camera>
+            <a:lightRig rig="threePt" dir="t">
+              <a:rot lat="0" lon="0" rev="1200000"/>
+            </a:lightRig>
+          </a:scene3d>
+          <a:sp3d>
+            <a:bevelT w="63500" h="25400"/>
+          </a:sp3d>
+        </a:effectStyle>
+      </a:effectStyleLst>
+      <a:bgFillStyleLst>
+        <a:solidFill>
+          <a:schemeClr val="phClr"/>
+        </a:solidFill>
+        <a:gradFill rotWithShape="1">
+          <a:gsLst>
+            <a:gs pos="0">
+              <a:schemeClr val="phClr">
+                <a:tint val="40000"/>
+                <a:satMod val="350000"/>
+              </a:schemeClr>
+            </a:gs>
+            <a:gs pos="40000">
+              <a:schemeClr val="phClr">
+                <a:tint val="45000"/>
+                <a:shade val="99000"/>
+                <a:satMod val="350000"/>
+              </a:schemeClr>
+            </a:gs>
+            <a:gs pos="100000">
+              <a:schemeClr val="phClr">
+                <a:shade val="20000"/>
+                <a:satMod val="255000"/>
+              </a:schemeClr>
+            </a:gs>
+          </a:gsLst>
+          <a:path path="circle">
+            <a:fillToRect l="50000" t="-80000" r="50000" b="180000"/>
+          </a:path>
+        </a:gradFill>
+        <a:gradFill rotWithShape="1">
+          <a:gsLst>
+            <a:gs pos="0">
+              <a:schemeClr val="phClr">
+                <a:tint val="80000"/>
+                <a:satMod val="300000"/>
+              </a:schemeClr>
+            </a:gs>
+            <a:gs pos="100000">
+              <a:schemeClr val="phClr">
+                <a:shade val="30000"/>
+                <a:satMod val="200000"/>
+              </a:schemeClr>
+            </a:gs>
+          </a:gsLst>
+          <a:path path="circle">
+            <a:fillToRect l="50000" t="50000" r="50000" b="50000"/>
+          </a:path>
+        </a:gradFill>
+      </a:bgFillStyleLst>
+    </a:fmtScheme>
+  </a:themeElements>
+</a:theme>
+</file>
+
+<file path=ppt/theme/theme2.xml><?xml version="1.0" encoding="utf-8"?>
 <a:theme xmlns:a="http://schemas.openxmlformats.org/drawingml/2006/main" xmlns:r="http://schemas.openxmlformats.org/officeDocument/2006/relationships" name="Slate">
   <a:themeElements>
     <a:clrScheme name="Slate">
@@ -18397,283 +18676,4 @@
     </a:fmtScheme>
   </a:themeElements>
 </a:theme>
-</file>
-
-<file path=ppt/theme/theme2.xml><?xml version="1.0" encoding="utf-8"?>
-<a:theme xmlns:a="http://schemas.openxmlformats.org/drawingml/2006/main" xmlns:r="http://schemas.openxmlformats.org/officeDocument/2006/relationships">
-  <a:themeElements>
-    <a:clrScheme name="Default">
-      <a:dk1>
-        <a:srgbClr val="000000"/>
-      </a:dk1>
-      <a:lt1>
-        <a:srgbClr val="FFFFFF"/>
-      </a:lt1>
-      <a:dk2>
-        <a:srgbClr val="158158"/>
-      </a:dk2>
-      <a:lt2>
-        <a:srgbClr val="F3F3F3"/>
-      </a:lt2>
-      <a:accent1>
-        <a:srgbClr val="058DC7"/>
-      </a:accent1>
-      <a:accent2>
-        <a:srgbClr val="50B432"/>
-      </a:accent2>
-      <a:accent3>
-        <a:srgbClr val="ED561B"/>
-      </a:accent3>
-      <a:accent4>
-        <a:srgbClr val="EDEF00"/>
-      </a:accent4>
-      <a:accent5>
-        <a:srgbClr val="24CBE5"/>
-      </a:accent5>
-      <a:accent6>
-        <a:srgbClr val="64E572"/>
-      </a:accent6>
-      <a:hlink>
-        <a:srgbClr val="2200CC"/>
-      </a:hlink>
-      <a:folHlink>
-        <a:srgbClr val="551A8B"/>
-      </a:folHlink>
-    </a:clrScheme>
-    <a:fontScheme name="Office">
-      <a:majorFont>
-        <a:latin typeface="Arial"/>
-        <a:ea typeface=""/>
-        <a:cs typeface=""/>
-        <a:font script="Jpan" typeface="ＭＳ Ｐゴシック"/>
-        <a:font script="Hang" typeface="맑은 고딕"/>
-        <a:font script="Hans" typeface="宋体"/>
-        <a:font script="Hant" typeface="新細明體"/>
-        <a:font script="Arab" typeface="Times New Roman"/>
-        <a:font script="Hebr" typeface="Times New Roman"/>
-        <a:font script="Thai" typeface="Angsana New"/>
-        <a:font script="Ethi" typeface="Nyala"/>
-        <a:font script="Beng" typeface="Vrinda"/>
-        <a:font script="Gujr" typeface="Shruti"/>
-        <a:font script="Khmr" typeface="MoolBoran"/>
-        <a:font script="Knda" typeface="Tunga"/>
-        <a:font script="Guru" typeface="Raavi"/>
-        <a:font script="Cans" typeface="Euphemia"/>
-        <a:font script="Cher" typeface="Plantagenet Cherokee"/>
-        <a:font script="Yiii" typeface="Microsoft Yi Baiti"/>
-        <a:font script="Tibt" typeface="Microsoft Himalaya"/>
-        <a:font script="Thaa" typeface="MV Boli"/>
-        <a:font script="Deva" typeface="Mangal"/>
-        <a:font script="Telu" typeface="Gautami"/>
-        <a:font script="Taml" typeface="Latha"/>
-        <a:font script="Syrc" typeface="Estrangelo Edessa"/>
-        <a:font script="Orya" typeface="Kalinga"/>
-        <a:font script="Mlym" typeface="Kartika"/>
-        <a:font script="Laoo" typeface="DokChampa"/>
-        <a:font script="Sinh" typeface="Iskoola Pota"/>
-        <a:font script="Mong" typeface="Mongolian Baiti"/>
-        <a:font script="Viet" typeface="Times New Roman"/>
-        <a:font script="Uigh" typeface="Microsoft Uighur"/>
-        <a:font script="Geor" typeface="Sylfaen"/>
-      </a:majorFont>
-      <a:minorFont>
-        <a:latin typeface="Arial"/>
-        <a:ea typeface=""/>
-        <a:cs typeface=""/>
-        <a:font script="Jpan" typeface="ＭＳ Ｐゴシック"/>
-        <a:font script="Hang" typeface="맑은 고딕"/>
-        <a:font script="Hans" typeface="宋体"/>
-        <a:font script="Hant" typeface="新細明體"/>
-        <a:font script="Arab" typeface="Arial"/>
-        <a:font script="Hebr" typeface="Arial"/>
-        <a:font script="Thai" typeface="Cordia New"/>
-        <a:font script="Ethi" typeface="Nyala"/>
-        <a:font script="Beng" typeface="Vrinda"/>
-        <a:font script="Gujr" typeface="Shruti"/>
-        <a:font script="Khmr" typeface="DaunPenh"/>
-        <a:font script="Knda" typeface="Tunga"/>
-        <a:font script="Guru" typeface="Raavi"/>
-        <a:font script="Cans" typeface="Euphemia"/>
-        <a:font script="Cher" typeface="Plantagenet Cherokee"/>
-        <a:font script="Yiii" typeface="Microsoft Yi Baiti"/>
-        <a:font script="Tibt" typeface="Microsoft Himalaya"/>
-        <a:font script="Thaa" typeface="MV Boli"/>
-        <a:font script="Deva" typeface="Mangal"/>
-        <a:font script="Telu" typeface="Gautami"/>
-        <a:font script="Taml" typeface="Latha"/>
-        <a:font script="Syrc" typeface="Estrangelo Edessa"/>
-        <a:font script="Orya" typeface="Kalinga"/>
-        <a:font script="Mlym" typeface="Kartika"/>
-        <a:font script="Laoo" typeface="DokChampa"/>
-        <a:font script="Sinh" typeface="Iskoola Pota"/>
-        <a:font script="Mong" typeface="Mongolian Baiti"/>
-        <a:font script="Viet" typeface="Arial"/>
-        <a:font script="Uigh" typeface="Microsoft Uighur"/>
-        <a:font script="Geor" typeface="Sylfaen"/>
-      </a:minorFont>
-    </a:fontScheme>
-    <a:fmtScheme name="Office">
-      <a:fillStyleLst>
-        <a:solidFill>
-          <a:schemeClr val="phClr"/>
-        </a:solidFill>
-        <a:gradFill rotWithShape="1">
-          <a:gsLst>
-            <a:gs pos="0">
-              <a:schemeClr val="phClr">
-                <a:tint val="50000"/>
-                <a:satMod val="300000"/>
-              </a:schemeClr>
-            </a:gs>
-            <a:gs pos="35000">
-              <a:schemeClr val="phClr">
-                <a:tint val="37000"/>
-                <a:satMod val="300000"/>
-              </a:schemeClr>
-            </a:gs>
-            <a:gs pos="100000">
-              <a:schemeClr val="phClr">
-                <a:tint val="15000"/>
-                <a:satMod val="350000"/>
-              </a:schemeClr>
-            </a:gs>
-          </a:gsLst>
-          <a:lin ang="16200000" scaled="1"/>
-        </a:gradFill>
-        <a:gradFill rotWithShape="1">
-          <a:gsLst>
-            <a:gs pos="0">
-              <a:schemeClr val="phClr">
-                <a:tint val="100000"/>
-                <a:shade val="100000"/>
-                <a:satMod val="130000"/>
-              </a:schemeClr>
-            </a:gs>
-            <a:gs pos="100000">
-              <a:schemeClr val="phClr">
-                <a:tint val="50000"/>
-                <a:shade val="100000"/>
-                <a:satMod val="350000"/>
-              </a:schemeClr>
-            </a:gs>
-          </a:gsLst>
-          <a:lin ang="16200000" scaled="0"/>
-        </a:gradFill>
-      </a:fillStyleLst>
-      <a:lnStyleLst>
-        <a:ln w="9525" cap="flat" cmpd="sng" algn="ctr">
-          <a:solidFill>
-            <a:schemeClr val="phClr">
-              <a:shade val="95000"/>
-              <a:satMod val="105000"/>
-            </a:schemeClr>
-          </a:solidFill>
-          <a:prstDash val="solid"/>
-        </a:ln>
-        <a:ln w="25400" cap="flat" cmpd="sng" algn="ctr">
-          <a:solidFill>
-            <a:schemeClr val="phClr"/>
-          </a:solidFill>
-          <a:prstDash val="solid"/>
-        </a:ln>
-        <a:ln w="38100" cap="flat" cmpd="sng" algn="ctr">
-          <a:solidFill>
-            <a:schemeClr val="phClr"/>
-          </a:solidFill>
-          <a:prstDash val="solid"/>
-        </a:ln>
-      </a:lnStyleLst>
-      <a:effectStyleLst>
-        <a:effectStyle>
-          <a:effectLst>
-            <a:outerShdw blurRad="40000" dist="20000" dir="5400000" rotWithShape="0">
-              <a:srgbClr val="000000">
-                <a:alpha val="38000"/>
-              </a:srgbClr>
-            </a:outerShdw>
-          </a:effectLst>
-        </a:effectStyle>
-        <a:effectStyle>
-          <a:effectLst>
-            <a:outerShdw blurRad="40000" dist="23000" dir="5400000" rotWithShape="0">
-              <a:srgbClr val="000000">
-                <a:alpha val="35000"/>
-              </a:srgbClr>
-            </a:outerShdw>
-          </a:effectLst>
-        </a:effectStyle>
-        <a:effectStyle>
-          <a:effectLst>
-            <a:outerShdw blurRad="40000" dist="23000" dir="5400000" rotWithShape="0">
-              <a:srgbClr val="000000">
-                <a:alpha val="35000"/>
-              </a:srgbClr>
-            </a:outerShdw>
-          </a:effectLst>
-          <a:scene3d>
-            <a:camera prst="orthographicFront">
-              <a:rot lat="0" lon="0" rev="0"/>
-            </a:camera>
-            <a:lightRig rig="threePt" dir="t">
-              <a:rot lat="0" lon="0" rev="1200000"/>
-            </a:lightRig>
-          </a:scene3d>
-          <a:sp3d>
-            <a:bevelT w="63500" h="25400"/>
-          </a:sp3d>
-        </a:effectStyle>
-      </a:effectStyleLst>
-      <a:bgFillStyleLst>
-        <a:solidFill>
-          <a:schemeClr val="phClr"/>
-        </a:solidFill>
-        <a:gradFill rotWithShape="1">
-          <a:gsLst>
-            <a:gs pos="0">
-              <a:schemeClr val="phClr">
-                <a:tint val="40000"/>
-                <a:satMod val="350000"/>
-              </a:schemeClr>
-            </a:gs>
-            <a:gs pos="40000">
-              <a:schemeClr val="phClr">
-                <a:tint val="45000"/>
-                <a:shade val="99000"/>
-                <a:satMod val="350000"/>
-              </a:schemeClr>
-            </a:gs>
-            <a:gs pos="100000">
-              <a:schemeClr val="phClr">
-                <a:shade val="20000"/>
-                <a:satMod val="255000"/>
-              </a:schemeClr>
-            </a:gs>
-          </a:gsLst>
-          <a:path path="circle">
-            <a:fillToRect l="50000" t="-80000" r="50000" b="180000"/>
-          </a:path>
-        </a:gradFill>
-        <a:gradFill rotWithShape="1">
-          <a:gsLst>
-            <a:gs pos="0">
-              <a:schemeClr val="phClr">
-                <a:tint val="80000"/>
-                <a:satMod val="300000"/>
-              </a:schemeClr>
-            </a:gs>
-            <a:gs pos="100000">
-              <a:schemeClr val="phClr">
-                <a:shade val="30000"/>
-                <a:satMod val="200000"/>
-              </a:schemeClr>
-            </a:gs>
-          </a:gsLst>
-          <a:path path="circle">
-            <a:fillToRect l="50000" t="50000" r="50000" b="50000"/>
-          </a:path>
-        </a:gradFill>
-      </a:bgFillStyleLst>
-    </a:fmtScheme>
-  </a:themeElements>
-</a:theme>
 </file>
--- a/project/slides.pptx
+++ b/project/slides.pptx
@@ -8916,7 +8916,7 @@
                   <a:cs typeface="Average"/>
                   <a:sym typeface="Average"/>
                 </a:rPr>
-                <a:t> ie. road_accidents as tables within the database for efficient retrieval and analysis.</a:t>
+                <a:t> ie. road_accidents and bicycle_traffic as tables within the database for efficient retrieval and analysis.</a:t>
               </a:r>
               <a:endParaRPr sz="800">
                 <a:solidFill>
@@ -13514,7 +13514,7 @@
         </p:spPr>
         <p:txBody>
           <a:bodyPr anchorCtr="0" anchor="t" bIns="91425" lIns="91425" spcFirstLastPara="1" rIns="91425" wrap="square" tIns="91425">
-            <a:normAutofit fontScale="77500" lnSpcReduction="20000"/>
+            <a:normAutofit fontScale="85000" lnSpcReduction="10000"/>
           </a:bodyPr>
           <a:lstStyle/>
           <a:p>
@@ -13624,7 +13624,7 @@
             </a:pPr>
             <a:r>
               <a:rPr lang="en"/>
-              <a:t>In the future, this project aims to analyze recent data, uncover seasonal patterns, explore demographic influences, and correlate trends with infrastructure changes. Machine learning models and user surveys will enhance predictive insights and qualitative understanding. Integrating real-time data and enhancing public engagement ensure a comprehensive approach, while ongoing efforts in data quality improvement maintain accuracy and reliability.</a:t>
+              <a:t>In the future, this project aims to analyze recent data, uncover seasonal patterns, explore demographic influences, and correlate trends with infrastructure changes. Machine learning models and user surveys will can also enhance predictive insights and qualitative understanding. </a:t>
             </a:r>
             <a:endParaRPr/>
           </a:p>
@@ -14701,7 +14701,7 @@
         </p:spPr>
         <p:txBody>
           <a:bodyPr anchorCtr="0" anchor="t" bIns="91425" lIns="91425" spcFirstLastPara="1" rIns="91425" wrap="square" tIns="91425">
-            <a:normAutofit fontScale="77500" lnSpcReduction="10000"/>
+            <a:normAutofit fontScale="77500" lnSpcReduction="20000"/>
           </a:bodyPr>
           <a:lstStyle/>
           <a:p>
@@ -14764,7 +14764,7 @@
             </a:pPr>
             <a:r>
               <a:rPr lang="en"/>
-              <a:t>This study dives into three main aspects: understanding the types of accidents, how lighting conditions affect incident rates, and the impact of road conditions. Additionally, we'll closely examine the unique characteristics that set apart bicycle accidents from vehicular ones.</a:t>
+              <a:t>This study dives into various aspects: firstly, the moths which have the highest number of accident, what time of the day does maximum number of accidents happen, understanding the types of accidents, how lighting conditions affect incident rates, and the impact of road conditions. Additionally, we'll closely examine the unique characteristics that set apart bicycle accidents from vehicular ones.</a:t>
             </a:r>
             <a:endParaRPr/>
           </a:p>
